--- a/Documentation/OS-Deployment-with-existing-ScaleIO/Fuel Plugins for ScaleIO.pptx
+++ b/Documentation/OS-Deployment-with-existing-ScaleIO/Fuel Plugins for ScaleIO.pptx
@@ -7,11 +7,11 @@
   <p:sldIdLst>
     <p:sldId id="256" r:id="rId2"/>
     <p:sldId id="257" r:id="rId3"/>
-    <p:sldId id="258" r:id="rId4"/>
-    <p:sldId id="259" r:id="rId5"/>
-    <p:sldId id="260" r:id="rId6"/>
-    <p:sldId id="261" r:id="rId7"/>
-    <p:sldId id="262" r:id="rId8"/>
+    <p:sldId id="259" r:id="rId4"/>
+    <p:sldId id="260" r:id="rId5"/>
+    <p:sldId id="261" r:id="rId6"/>
+    <p:sldId id="262" r:id="rId7"/>
+    <p:sldId id="263" r:id="rId8"/>
   </p:sldIdLst>
   <p:sldSz cx="9144000" cy="6858000" type="screen4x3"/>
   <p:notesSz cx="6858000" cy="9144000"/>
@@ -3242,7 +3242,13 @@
           <a:p>
             <a:r>
               <a:rPr lang="en-US" dirty="0" smtClean="0"/>
-              <a:t>Fuel Plugin ScaleIO </a:t>
+              <a:t>Fuel Plugin ScaleIO (OpenStack HA)</a:t>
+            </a:r>
+          </a:p>
+          <a:p>
+            <a:r>
+              <a:rPr lang="en-US" dirty="0" smtClean="0"/>
+              <a:t>Resources</a:t>
             </a:r>
             <a:endParaRPr lang="en-US" dirty="0"/>
           </a:p>
@@ -3300,131 +3306,6 @@
           <a:bodyPr/>
           <a:lstStyle/>
           <a:p>
-            <a:r>
-              <a:rPr lang="en-US" dirty="0" smtClean="0"/>
-              <a:t>Fuel Plugins for ScaleIO </a:t>
-            </a:r>
-            <a:endParaRPr lang="en-US" dirty="0"/>
-          </a:p>
-        </p:txBody>
-      </p:sp>
-      <p:sp>
-        <p:nvSpPr>
-          <p:cNvPr id="3" name="Rectangle 2"/>
-          <p:cNvSpPr/>
-          <p:nvPr/>
-        </p:nvSpPr>
-        <p:spPr>
-          <a:xfrm>
-            <a:off x="381000" y="2590800"/>
-            <a:ext cx="8458200" cy="2400657"/>
-          </a:xfrm>
-          <a:prstGeom prst="rect">
-            <a:avLst/>
-          </a:prstGeom>
-        </p:spPr>
-        <p:txBody>
-          <a:bodyPr wrap="square">
-            <a:spAutoFit/>
-          </a:bodyPr>
-          <a:lstStyle/>
-          <a:p>
-            <a:pPr lvl="0"/>
-            <a:r>
-              <a:rPr lang="en-US" b="1" dirty="0"/>
-              <a:t>Fuel plugin ScaleIO Cinder </a:t>
-            </a:r>
-            <a:r>
-              <a:rPr lang="en-US" dirty="0"/>
-              <a:t>is targeted to OpenStack environments that want to take advantage of an existing ScaleIO environment. </a:t>
-            </a:r>
-            <a:endParaRPr lang="en-US" dirty="0" smtClean="0"/>
-          </a:p>
-          <a:p>
-            <a:pPr lvl="0"/>
-            <a:endParaRPr lang="en-US" sz="2000" dirty="0"/>
-          </a:p>
-          <a:p>
-            <a:pPr lvl="0"/>
-            <a:endParaRPr lang="en-US" sz="2000" dirty="0" smtClean="0"/>
-          </a:p>
-          <a:p>
-            <a:pPr lvl="0"/>
-            <a:endParaRPr lang="en-US" sz="2000" dirty="0"/>
-          </a:p>
-          <a:p>
-            <a:r>
-              <a:rPr lang="en-US" dirty="0"/>
-              <a:t> </a:t>
-            </a:r>
-            <a:endParaRPr lang="en-US" sz="2000" dirty="0"/>
-          </a:p>
-          <a:p>
-            <a:pPr lvl="0"/>
-            <a:r>
-              <a:rPr lang="en-US" b="1" dirty="0"/>
-              <a:t>Fuel plugin ScaleIO </a:t>
-            </a:r>
-            <a:r>
-              <a:rPr lang="en-US" dirty="0"/>
-              <a:t> is targeted for a new ScaleIO Deployment on an OpenStack cluster in a High Availability (HA)  configuration.  </a:t>
-            </a:r>
-            <a:endParaRPr lang="en-US" sz="2000" dirty="0"/>
-          </a:p>
-        </p:txBody>
-      </p:sp>
-    </p:spTree>
-    <p:extLst>
-      <p:ext uri="{BB962C8B-B14F-4D97-AF65-F5344CB8AC3E}">
-        <p14:creationId xmlns:p14="http://schemas.microsoft.com/office/powerpoint/2010/main" val="1417940282"/>
-      </p:ext>
-    </p:extLst>
-  </p:cSld>
-  <p:clrMapOvr>
-    <a:masterClrMapping/>
-  </p:clrMapOvr>
-  <p:timing>
-    <p:tnLst>
-      <p:par>
-        <p:cTn id="1" dur="indefinite" restart="never" nodeType="tmRoot"/>
-      </p:par>
-    </p:tnLst>
-  </p:timing>
-</p:sld>
-</file>
-
-<file path=ppt/slides/slide4.xml><?xml version="1.0" encoding="utf-8"?>
-<p:sld xmlns:a="http://schemas.openxmlformats.org/drawingml/2006/main" xmlns:r="http://schemas.openxmlformats.org/officeDocument/2006/relationships" xmlns:p="http://schemas.openxmlformats.org/presentationml/2006/main">
-  <p:cSld>
-    <p:spTree>
-      <p:nvGrpSpPr>
-        <p:cNvPr id="1" name=""/>
-        <p:cNvGrpSpPr/>
-        <p:nvPr/>
-      </p:nvGrpSpPr>
-      <p:grpSpPr>
-        <a:xfrm>
-          <a:off x="0" y="0"/>
-          <a:ext cx="0" cy="0"/>
-          <a:chOff x="0" y="0"/>
-          <a:chExt cx="0" cy="0"/>
-        </a:xfrm>
-      </p:grpSpPr>
-      <p:sp>
-        <p:nvSpPr>
-          <p:cNvPr id="2" name="Title 1"/>
-          <p:cNvSpPr>
-            <a:spLocks noGrp="1"/>
-          </p:cNvSpPr>
-          <p:nvPr>
-            <p:ph type="title"/>
-          </p:nvPr>
-        </p:nvSpPr>
-        <p:spPr/>
-        <p:txBody>
-          <a:bodyPr/>
-          <a:lstStyle/>
-          <a:p>
             <a:pPr algn="l"/>
             <a:r>
               <a:rPr lang="en-US" dirty="0" smtClean="0"/>
@@ -3528,7 +3409,7 @@
 </p:sld>
 </file>
 
-<file path=ppt/slides/slide5.xml><?xml version="1.0" encoding="utf-8"?>
+<file path=ppt/slides/slide4.xml><?xml version="1.0" encoding="utf-8"?>
 <p:sld xmlns:a="http://schemas.openxmlformats.org/drawingml/2006/main" xmlns:r="http://schemas.openxmlformats.org/officeDocument/2006/relationships" xmlns:p="http://schemas.openxmlformats.org/presentationml/2006/main">
   <p:cSld>
     <p:spTree>
@@ -3688,7 +3569,7 @@
 </p:sld>
 </file>
 
-<file path=ppt/slides/slide6.xml><?xml version="1.0" encoding="utf-8"?>
+<file path=ppt/slides/slide5.xml><?xml version="1.0" encoding="utf-8"?>
 <p:sld xmlns:a="http://schemas.openxmlformats.org/drawingml/2006/main" xmlns:r="http://schemas.openxmlformats.org/officeDocument/2006/relationships" xmlns:p="http://schemas.openxmlformats.org/presentationml/2006/main">
   <p:cSld>
     <p:spTree>
@@ -3858,6 +3739,223 @@
 </p:sld>
 </file>
 
+<file path=ppt/slides/slide6.xml><?xml version="1.0" encoding="utf-8"?>
+<p:sld xmlns:a="http://schemas.openxmlformats.org/drawingml/2006/main" xmlns:r="http://schemas.openxmlformats.org/officeDocument/2006/relationships" xmlns:p="http://schemas.openxmlformats.org/presentationml/2006/main">
+  <p:cSld>
+    <p:spTree>
+      <p:nvGrpSpPr>
+        <p:cNvPr id="1" name=""/>
+        <p:cNvGrpSpPr/>
+        <p:nvPr/>
+      </p:nvGrpSpPr>
+      <p:grpSpPr>
+        <a:xfrm>
+          <a:off x="0" y="0"/>
+          <a:ext cx="0" cy="0"/>
+          <a:chOff x="0" y="0"/>
+          <a:chExt cx="0" cy="0"/>
+        </a:xfrm>
+      </p:grpSpPr>
+      <p:sp>
+        <p:nvSpPr>
+          <p:cNvPr id="2" name="Title 1"/>
+          <p:cNvSpPr>
+            <a:spLocks noGrp="1"/>
+          </p:cNvSpPr>
+          <p:nvPr>
+            <p:ph type="title"/>
+          </p:nvPr>
+        </p:nvSpPr>
+        <p:spPr/>
+        <p:txBody>
+          <a:bodyPr/>
+          <a:lstStyle/>
+          <a:p>
+            <a:pPr algn="l"/>
+            <a:r>
+              <a:rPr lang="en-US" dirty="0" smtClean="0"/>
+              <a:t>Fuel Plugin ScaleIO (OpenStack HA)</a:t>
+            </a:r>
+            <a:endParaRPr lang="en-US" dirty="0"/>
+          </a:p>
+        </p:txBody>
+      </p:sp>
+      <p:sp>
+        <p:nvSpPr>
+          <p:cNvPr id="3" name="Content Placeholder 2"/>
+          <p:cNvSpPr>
+            <a:spLocks noGrp="1"/>
+          </p:cNvSpPr>
+          <p:nvPr>
+            <p:ph idx="1"/>
+          </p:nvPr>
+        </p:nvSpPr>
+        <p:spPr>
+          <a:xfrm>
+            <a:off x="457200" y="4191000"/>
+            <a:ext cx="8229600" cy="2438400"/>
+          </a:xfrm>
+        </p:spPr>
+        <p:txBody>
+          <a:bodyPr>
+            <a:normAutofit fontScale="62500" lnSpcReduction="20000"/>
+          </a:bodyPr>
+          <a:lstStyle/>
+          <a:p>
+            <a:r>
+              <a:rPr lang="en-US" b="1" dirty="0" smtClean="0"/>
+              <a:t>OpenStack High Availability (HA) </a:t>
+            </a:r>
+            <a:r>
+              <a:rPr lang="en-US" dirty="0" smtClean="0"/>
+              <a:t>deployment Recommendation to have 3 x Controller Nodes</a:t>
+            </a:r>
+          </a:p>
+          <a:p>
+            <a:r>
+              <a:rPr lang="en-US" b="1" dirty="0" smtClean="0"/>
+              <a:t>Each Controller Node </a:t>
+            </a:r>
+            <a:r>
+              <a:rPr lang="en-US" dirty="0" smtClean="0"/>
+              <a:t>has 1 x ScaleIO REST API Service Load balanced by a HA Proxy Service (</a:t>
+            </a:r>
+            <a:r>
+              <a:rPr lang="en-US" dirty="0" smtClean="0">
+                <a:hlinkClick r:id="rId2"/>
+              </a:rPr>
+              <a:t>http://www.haproxy.org/</a:t>
+            </a:r>
+            <a:r>
+              <a:rPr lang="en-US" dirty="0" smtClean="0"/>
+              <a:t>  )</a:t>
+            </a:r>
+          </a:p>
+          <a:p>
+            <a:r>
+              <a:rPr lang="en-US" dirty="0" smtClean="0"/>
+              <a:t>Rest of Services are distributed through the OpenStack Cluster</a:t>
+            </a:r>
+          </a:p>
+          <a:p>
+            <a:r>
+              <a:rPr lang="en-US" b="1" dirty="0" smtClean="0">
+                <a:solidFill>
+                  <a:schemeClr val="accent1"/>
+                </a:solidFill>
+              </a:rPr>
+              <a:t>2 x ScaleIO Dedicated </a:t>
+            </a:r>
+            <a:r>
+              <a:rPr lang="en-US" dirty="0" smtClean="0"/>
+              <a:t>nodes are required to run HA ScaleIO SDS Service</a:t>
+            </a:r>
+          </a:p>
+          <a:p>
+            <a:r>
+              <a:rPr lang="en-US" b="1" dirty="0" smtClean="0"/>
+              <a:t>Compute Nodes:  </a:t>
+            </a:r>
+            <a:r>
+              <a:rPr lang="en-US" dirty="0" smtClean="0"/>
+              <a:t>All compute nodes will run the ScaleIO SDC Service</a:t>
+            </a:r>
+          </a:p>
+          <a:p>
+            <a:r>
+              <a:rPr lang="en-US" dirty="0" smtClean="0">
+                <a:solidFill>
+                  <a:srgbClr val="00B050"/>
+                </a:solidFill>
+              </a:rPr>
+              <a:t>In Progress: </a:t>
+            </a:r>
+            <a:r>
+              <a:rPr lang="en-US" dirty="0" smtClean="0">
+                <a:solidFill>
+                  <a:srgbClr val="00B050"/>
+                </a:solidFill>
+                <a:hlinkClick r:id="rId3"/>
+              </a:rPr>
+              <a:t>https://github.com/emccode/fuel-plugin-scaleio</a:t>
+            </a:r>
+            <a:r>
+              <a:rPr lang="en-US" dirty="0" smtClean="0">
+                <a:solidFill>
+                  <a:srgbClr val="00B050"/>
+                </a:solidFill>
+              </a:rPr>
+              <a:t> </a:t>
+            </a:r>
+            <a:endParaRPr lang="en-US" dirty="0">
+              <a:solidFill>
+                <a:srgbClr val="00B050"/>
+              </a:solidFill>
+            </a:endParaRPr>
+          </a:p>
+        </p:txBody>
+      </p:sp>
+      <p:pic>
+        <p:nvPicPr>
+          <p:cNvPr id="2050" name="Picture 2" descr="https://github.com/emccode/fuel-plugin-scaleio/raw/master/Documentation/images/fuel-plugin-scaleio-Architecture.jpg"/>
+          <p:cNvPicPr>
+            <a:picLocks noChangeAspect="1" noChangeArrowheads="1"/>
+          </p:cNvPicPr>
+          <p:nvPr/>
+        </p:nvPicPr>
+        <p:blipFill>
+          <a:blip r:embed="rId4">
+            <a:extLst>
+              <a:ext uri="{28A0092B-C50C-407E-A947-70E740481C1C}">
+                <a14:useLocalDpi xmlns:a14="http://schemas.microsoft.com/office/drawing/2010/main" val="0"/>
+              </a:ext>
+            </a:extLst>
+          </a:blip>
+          <a:srcRect/>
+          <a:stretch>
+            <a:fillRect/>
+          </a:stretch>
+        </p:blipFill>
+        <p:spPr bwMode="auto">
+          <a:xfrm>
+            <a:off x="304800" y="1752600"/>
+            <a:ext cx="8426450" cy="2179977"/>
+          </a:xfrm>
+          <a:prstGeom prst="rect">
+            <a:avLst/>
+          </a:prstGeom>
+          <a:noFill/>
+          <a:extLst>
+            <a:ext uri="{909E8E84-426E-40DD-AFC4-6F175D3DCCD1}">
+              <a14:hiddenFill xmlns:a14="http://schemas.microsoft.com/office/drawing/2010/main">
+                <a:solidFill>
+                  <a:srgbClr val="FFFFFF"/>
+                </a:solidFill>
+              </a14:hiddenFill>
+            </a:ext>
+          </a:extLst>
+        </p:spPr>
+      </p:pic>
+    </p:spTree>
+    <p:extLst>
+      <p:ext uri="{BB962C8B-B14F-4D97-AF65-F5344CB8AC3E}">
+        <p14:creationId xmlns:p14="http://schemas.microsoft.com/office/powerpoint/2010/main" val="1262336384"/>
+      </p:ext>
+    </p:extLst>
+  </p:cSld>
+  <p:clrMapOvr>
+    <a:masterClrMapping/>
+  </p:clrMapOvr>
+  <p:timing>
+    <p:tnLst>
+      <p:par>
+        <p:cTn id="1" dur="indefinite" restart="never" nodeType="tmRoot"/>
+      </p:par>
+    </p:tnLst>
+  </p:timing>
+</p:sld>
+</file>
+
 <file path=ppt/slides/slide7.xml><?xml version="1.0" encoding="utf-8"?>
 <p:sld xmlns:a="http://schemas.openxmlformats.org/drawingml/2006/main" xmlns:r="http://schemas.openxmlformats.org/officeDocument/2006/relationships" xmlns:p="http://schemas.openxmlformats.org/presentationml/2006/main">
   <p:cSld>
@@ -3893,7 +3991,7 @@
             <a:pPr algn="l"/>
             <a:r>
               <a:rPr lang="en-US" dirty="0" smtClean="0"/>
-              <a:t>Fuel Plugin ScaleIO</a:t>
+              <a:t>Resources</a:t>
             </a:r>
             <a:endParaRPr lang="en-US" dirty="0"/>
           </a:p>
@@ -3909,50 +4007,152 @@
             <p:ph idx="1"/>
           </p:nvPr>
         </p:nvSpPr>
-        <p:spPr>
-          <a:xfrm>
-            <a:off x="457200" y="5105400"/>
-            <a:ext cx="8229600" cy="1524000"/>
-          </a:xfrm>
-        </p:spPr>
+        <p:spPr/>
         <p:txBody>
           <a:bodyPr>
-            <a:normAutofit fontScale="47500" lnSpcReduction="20000"/>
+            <a:normAutofit fontScale="25000" lnSpcReduction="20000"/>
           </a:bodyPr>
           <a:lstStyle/>
           <a:p>
-            <a:r>
-              <a:rPr lang="en-US" b="1" dirty="0" smtClean="0">
-                <a:solidFill>
-                  <a:schemeClr val="accent1"/>
-                </a:solidFill>
+            <a:pPr marL="0" lvl="0" indent="0">
+              <a:buNone/>
+            </a:pPr>
+            <a:r>
+              <a:rPr lang="en-US" sz="8000" dirty="0" smtClean="0"/>
+              <a:t>• </a:t>
+            </a:r>
+            <a:r>
+              <a:rPr lang="en-US" sz="8000" b="1" dirty="0" smtClean="0"/>
+              <a:t>Fuel plugin ScaleIO Cinder:</a:t>
+            </a:r>
+            <a:r>
+              <a:rPr lang="en-US" sz="8000" dirty="0" smtClean="0"/>
+              <a:t> </a:t>
+            </a:r>
+          </a:p>
+          <a:p>
+            <a:pPr lvl="1"/>
+            <a:r>
+              <a:rPr lang="en-US" sz="8000" dirty="0" smtClean="0"/>
+              <a:t>Code repository: </a:t>
+            </a:r>
+            <a:r>
+              <a:rPr lang="en-US" sz="8000" dirty="0" smtClean="0">
+                <a:hlinkClick r:id="rId2"/>
               </a:rPr>
-              <a:t>Only the ScaleIO SDC service </a:t>
-            </a:r>
-            <a:r>
-              <a:rPr lang="en-US" dirty="0" smtClean="0"/>
-              <a:t>needs to run on both the Controller Nodes and Compute Nodes</a:t>
-            </a:r>
-          </a:p>
-          <a:p>
-            <a:r>
-              <a:rPr lang="en-US" b="1" dirty="0" smtClean="0"/>
-              <a:t>Controller Node + Cinder Host: </a:t>
-            </a:r>
-            <a:r>
-              <a:rPr lang="en-US" dirty="0" smtClean="0"/>
-              <a:t> A node that runs network, volume, API, scheduler, and image services. Each service may be broken out into separate nodes for scalability or availability. In addition this node is a Cinder Host, that contains the Cinder Volume Manager OpenStack Cluster </a:t>
-            </a:r>
-          </a:p>
-          <a:p>
-            <a:r>
-              <a:rPr lang="en-US" b="1" dirty="0" smtClean="0"/>
-              <a:t>Compute Node:  </a:t>
-            </a:r>
-            <a:r>
-              <a:rPr lang="en-US" dirty="0" smtClean="0"/>
-              <a:t>A node that runs the nova-compute daemon that manages Virtual Machine (VM) instances that provide a wide range of services, such as web applications and analytics. OpenStack Cluster </a:t>
-            </a:r>
+              <a:t>https://github.com/emccode/fuel-plugin-scaleio-cinder-test</a:t>
+            </a:r>
+            <a:r>
+              <a:rPr lang="en-US" sz="8000" dirty="0" smtClean="0"/>
+              <a:t>  </a:t>
+            </a:r>
+          </a:p>
+          <a:p>
+            <a:pPr lvl="1"/>
+            <a:r>
+              <a:rPr lang="en-US" sz="8000" dirty="0" smtClean="0"/>
+              <a:t>Documentation: </a:t>
+            </a:r>
+            <a:r>
+              <a:rPr lang="en-US" sz="8000" dirty="0" smtClean="0">
+                <a:hlinkClick r:id="rId3"/>
+              </a:rPr>
+              <a:t>https://github.com/emccode/fuel-plugin-scaleio-cinder-test/blob/master/README.md</a:t>
+            </a:r>
+            <a:r>
+              <a:rPr lang="en-US" sz="8000" dirty="0" smtClean="0"/>
+              <a:t>  </a:t>
+            </a:r>
+          </a:p>
+          <a:p>
+            <a:pPr lvl="1"/>
+            <a:r>
+              <a:rPr lang="en-US" sz="8000" dirty="0" smtClean="0"/>
+              <a:t>Releases are located here: </a:t>
+            </a:r>
+            <a:r>
+              <a:rPr lang="en-US" sz="8000" dirty="0" smtClean="0">
+                <a:hlinkClick r:id="rId4"/>
+              </a:rPr>
+              <a:t>https://github.com/emccode/fuel-plugin-scaleio-cinder-test/releases</a:t>
+            </a:r>
+            <a:r>
+              <a:rPr lang="en-US" sz="8000" dirty="0" smtClean="0"/>
+              <a:t>  </a:t>
+            </a:r>
+          </a:p>
+          <a:p>
+            <a:pPr lvl="1"/>
+            <a:r>
+              <a:rPr lang="en-US" sz="8000" dirty="0" smtClean="0"/>
+              <a:t>This plugin is code complete, and will be tested by Mirantis this week for their blessing.</a:t>
+            </a:r>
+          </a:p>
+          <a:p>
+            <a:pPr marL="0" lvl="0" indent="0">
+              <a:buNone/>
+            </a:pPr>
+            <a:endParaRPr lang="en-US" sz="8000" dirty="0" smtClean="0"/>
+          </a:p>
+          <a:p>
+            <a:pPr marL="0" lvl="0" indent="0">
+              <a:buNone/>
+            </a:pPr>
+            <a:r>
+              <a:rPr lang="en-US" sz="8000" dirty="0" smtClean="0"/>
+              <a:t>• </a:t>
+            </a:r>
+            <a:r>
+              <a:rPr lang="en-US" sz="8000" b="1" dirty="0" smtClean="0"/>
+              <a:t>Fuel plugin ScaleIO:</a:t>
+            </a:r>
+            <a:r>
+              <a:rPr lang="en-US" sz="8000" dirty="0" smtClean="0"/>
+              <a:t>  </a:t>
+            </a:r>
+          </a:p>
+          <a:p>
+            <a:pPr lvl="1"/>
+            <a:r>
+              <a:rPr lang="en-US" sz="8000" dirty="0" smtClean="0"/>
+              <a:t>The repository is located here: </a:t>
+            </a:r>
+            <a:r>
+              <a:rPr lang="en-US" sz="8000" dirty="0" smtClean="0">
+                <a:hlinkClick r:id="rId5"/>
+              </a:rPr>
+              <a:t>https://github.com/emccode/fuel-plugin-scaleio</a:t>
+            </a:r>
+            <a:r>
+              <a:rPr lang="en-US" sz="8000" dirty="0" smtClean="0"/>
+              <a:t>  </a:t>
+            </a:r>
+          </a:p>
+          <a:p>
+            <a:pPr lvl="1"/>
+            <a:r>
+              <a:rPr lang="en-US" sz="8000" dirty="0" smtClean="0"/>
+              <a:t>Documentation: In progress</a:t>
+            </a:r>
+          </a:p>
+          <a:p>
+            <a:pPr lvl="1"/>
+            <a:r>
+              <a:rPr lang="en-US" sz="8000" dirty="0" smtClean="0"/>
+              <a:t>Release: </a:t>
+            </a:r>
+            <a:r>
+              <a:rPr lang="en-US" sz="8000" dirty="0" smtClean="0">
+                <a:hlinkClick r:id="rId6"/>
+              </a:rPr>
+              <a:t>https://github.com/emccode/fuel-plugin-scaleio/releases</a:t>
+            </a:r>
+            <a:r>
+              <a:rPr lang="en-US" sz="8000" dirty="0" smtClean="0"/>
+              <a:t>  </a:t>
+            </a:r>
+          </a:p>
+          <a:p>
             <a:endParaRPr lang="en-US" dirty="0"/>
           </a:p>
         </p:txBody>
@@ -3960,7 +4160,7 @@
     </p:spTree>
     <p:extLst>
       <p:ext uri="{BB962C8B-B14F-4D97-AF65-F5344CB8AC3E}">
-        <p14:creationId xmlns:p14="http://schemas.microsoft.com/office/powerpoint/2010/main" val="1262336384"/>
+        <p14:creationId xmlns:p14="http://schemas.microsoft.com/office/powerpoint/2010/main" val="2664774963"/>
       </p:ext>
     </p:extLst>
   </p:cSld>
